--- a/0208DrawAndMoving_Design3/DrawAndMoving_Design3.pptx
+++ b/0208DrawAndMoving_Design3/DrawAndMoving_Design3.pptx
@@ -194,7 +194,7 @@
             <a:fld id="{25F67A7C-AD5F-408B-A63E-11878FD7E7F7}" type="datetimeFigureOut">
               <a:rPr lang="ko-KR" altLang="en-US" smtClean="0"/>
               <a:pPr/>
-              <a:t>2019-02-08</a:t>
+              <a:t>2019-02-11</a:t>
             </a:fld>
             <a:endParaRPr lang="ko-KR" altLang="en-US"/>
           </a:p>
@@ -816,7 +816,7 @@
             <a:fld id="{A0404D26-9F52-4BDC-BF0C-6D058CC4650D}" type="datetimeFigureOut">
               <a:rPr lang="ko-KR" altLang="en-US" smtClean="0"/>
               <a:pPr/>
-              <a:t>2019-02-08</a:t>
+              <a:t>2019-02-11</a:t>
             </a:fld>
             <a:endParaRPr lang="ko-KR" altLang="en-US"/>
           </a:p>
@@ -983,7 +983,7 @@
             <a:fld id="{A0404D26-9F52-4BDC-BF0C-6D058CC4650D}" type="datetimeFigureOut">
               <a:rPr lang="ko-KR" altLang="en-US" smtClean="0"/>
               <a:pPr/>
-              <a:t>2019-02-08</a:t>
+              <a:t>2019-02-11</a:t>
             </a:fld>
             <a:endParaRPr lang="ko-KR" altLang="en-US"/>
           </a:p>
@@ -1160,7 +1160,7 @@
             <a:fld id="{A0404D26-9F52-4BDC-BF0C-6D058CC4650D}" type="datetimeFigureOut">
               <a:rPr lang="ko-KR" altLang="en-US" smtClean="0"/>
               <a:pPr/>
-              <a:t>2019-02-08</a:t>
+              <a:t>2019-02-11</a:t>
             </a:fld>
             <a:endParaRPr lang="ko-KR" altLang="en-US"/>
           </a:p>
@@ -1327,7 +1327,7 @@
             <a:fld id="{A0404D26-9F52-4BDC-BF0C-6D058CC4650D}" type="datetimeFigureOut">
               <a:rPr lang="ko-KR" altLang="en-US" smtClean="0"/>
               <a:pPr/>
-              <a:t>2019-02-08</a:t>
+              <a:t>2019-02-11</a:t>
             </a:fld>
             <a:endParaRPr lang="ko-KR" altLang="en-US"/>
           </a:p>
@@ -1570,7 +1570,7 @@
             <a:fld id="{A0404D26-9F52-4BDC-BF0C-6D058CC4650D}" type="datetimeFigureOut">
               <a:rPr lang="ko-KR" altLang="en-US" smtClean="0"/>
               <a:pPr/>
-              <a:t>2019-02-08</a:t>
+              <a:t>2019-02-11</a:t>
             </a:fld>
             <a:endParaRPr lang="ko-KR" altLang="en-US"/>
           </a:p>
@@ -1855,7 +1855,7 @@
             <a:fld id="{A0404D26-9F52-4BDC-BF0C-6D058CC4650D}" type="datetimeFigureOut">
               <a:rPr lang="ko-KR" altLang="en-US" smtClean="0"/>
               <a:pPr/>
-              <a:t>2019-02-08</a:t>
+              <a:t>2019-02-11</a:t>
             </a:fld>
             <a:endParaRPr lang="ko-KR" altLang="en-US"/>
           </a:p>
@@ -2274,7 +2274,7 @@
             <a:fld id="{A0404D26-9F52-4BDC-BF0C-6D058CC4650D}" type="datetimeFigureOut">
               <a:rPr lang="ko-KR" altLang="en-US" smtClean="0"/>
               <a:pPr/>
-              <a:t>2019-02-08</a:t>
+              <a:t>2019-02-11</a:t>
             </a:fld>
             <a:endParaRPr lang="ko-KR" altLang="en-US"/>
           </a:p>
@@ -2389,7 +2389,7 @@
             <a:fld id="{A0404D26-9F52-4BDC-BF0C-6D058CC4650D}" type="datetimeFigureOut">
               <a:rPr lang="ko-KR" altLang="en-US" smtClean="0"/>
               <a:pPr/>
-              <a:t>2019-02-08</a:t>
+              <a:t>2019-02-11</a:t>
             </a:fld>
             <a:endParaRPr lang="ko-KR" altLang="en-US"/>
           </a:p>
@@ -2481,7 +2481,7 @@
             <a:fld id="{A0404D26-9F52-4BDC-BF0C-6D058CC4650D}" type="datetimeFigureOut">
               <a:rPr lang="ko-KR" altLang="en-US" smtClean="0"/>
               <a:pPr/>
-              <a:t>2019-02-08</a:t>
+              <a:t>2019-02-11</a:t>
             </a:fld>
             <a:endParaRPr lang="ko-KR" altLang="en-US"/>
           </a:p>
@@ -2755,7 +2755,7 @@
             <a:fld id="{A0404D26-9F52-4BDC-BF0C-6D058CC4650D}" type="datetimeFigureOut">
               <a:rPr lang="ko-KR" altLang="en-US" smtClean="0"/>
               <a:pPr/>
-              <a:t>2019-02-08</a:t>
+              <a:t>2019-02-11</a:t>
             </a:fld>
             <a:endParaRPr lang="ko-KR" altLang="en-US"/>
           </a:p>
@@ -3005,7 +3005,7 @@
             <a:fld id="{A0404D26-9F52-4BDC-BF0C-6D058CC4650D}" type="datetimeFigureOut">
               <a:rPr lang="ko-KR" altLang="en-US" smtClean="0"/>
               <a:pPr/>
-              <a:t>2019-02-08</a:t>
+              <a:t>2019-02-11</a:t>
             </a:fld>
             <a:endParaRPr lang="ko-KR" altLang="en-US"/>
           </a:p>
@@ -3215,7 +3215,7 @@
             <a:fld id="{A0404D26-9F52-4BDC-BF0C-6D058CC4650D}" type="datetimeFigureOut">
               <a:rPr lang="ko-KR" altLang="en-US" smtClean="0"/>
               <a:pPr/>
-              <a:t>2019-02-08</a:t>
+              <a:t>2019-02-11</a:t>
             </a:fld>
             <a:endParaRPr lang="ko-KR" altLang="en-US"/>
           </a:p>
@@ -3734,7 +3734,7 @@
         <p:spPr>
           <a:xfrm>
             <a:off x="3878525" y="1094735"/>
-            <a:ext cx="8008859" cy="369332"/>
+            <a:ext cx="7452681" cy="369332"/>
           </a:xfrm>
           <a:prstGeom prst="rect">
             <a:avLst/>
@@ -3843,7 +3843,7 @@
           <a:p>
             <a:r>
               <a:rPr lang="en-US" altLang="ko-KR" smtClean="0"/>
-              <a:t>TCustomDraw(aCanvas : TCanvas; aX, aY, aSize, aColor, aKeepInteval : Int)</a:t>
+              <a:t>TCustomDraw(aCanvas : TCanvas; aX, aY, aSize, aColor, aInteval : Int)</a:t>
             </a:r>
             <a:endParaRPr lang="ko-KR" altLang="en-US"/>
           </a:p>
@@ -5105,63 +5105,54 @@
             </a:lvl9pPr>
           </a:lstStyle>
           <a:p>
-            <a:pPr algn="ctr"/>
             <a:r>
               <a:rPr lang="en-US" altLang="ko-KR" smtClean="0"/>
-              <a:t> fCanvas = TCanvas</a:t>
+              <a:t>fCanvas = TCanvas</a:t>
             </a:r>
           </a:p>
           <a:p>
-            <a:pPr algn="ctr"/>
             <a:r>
               <a:rPr lang="en-US" altLang="ko-KR" smtClean="0"/>
-              <a:t>    fX = Int</a:t>
+              <a:t>fX = Int</a:t>
             </a:r>
           </a:p>
           <a:p>
-            <a:pPr algn="ctr"/>
             <a:r>
               <a:rPr lang="en-US" altLang="ko-KR" smtClean="0"/>
-              <a:t>    fY = Int</a:t>
+              <a:t>fY = Int</a:t>
             </a:r>
           </a:p>
           <a:p>
-            <a:pPr algn="ctr"/>
             <a:r>
               <a:rPr lang="en-US" altLang="ko-KR" smtClean="0"/>
-              <a:t>    fSize = Int</a:t>
+              <a:t>fSize = Int</a:t>
             </a:r>
           </a:p>
           <a:p>
-            <a:pPr algn="ctr"/>
             <a:r>
               <a:rPr lang="en-US" altLang="ko-KR" smtClean="0"/>
               <a:t>fKeepInteval = Int</a:t>
             </a:r>
           </a:p>
           <a:p>
-            <a:pPr algn="ctr"/>
             <a:r>
               <a:rPr lang="en-US" altLang="ko-KR" smtClean="0"/>
               <a:t>fUp = Boolean</a:t>
             </a:r>
           </a:p>
           <a:p>
-            <a:pPr algn="ctr"/>
             <a:r>
               <a:rPr lang="en-US" altLang="ko-KR" smtClean="0"/>
               <a:t>fLeft = Boolean</a:t>
             </a:r>
           </a:p>
           <a:p>
-            <a:pPr algn="ctr"/>
             <a:r>
               <a:rPr lang="en-US" altLang="ko-KR" smtClean="0"/>
-              <a:t> fTimer = TTimer</a:t>
+              <a:t>fTimer = TTimer</a:t>
             </a:r>
           </a:p>
           <a:p>
-            <a:pPr algn="ctr"/>
             <a:r>
               <a:rPr lang="en-US" altLang="ko-KR" smtClean="0"/>
               <a:t>const SPEED = 5</a:t>
@@ -5781,7 +5772,18 @@
                   <a:schemeClr val="tx1"/>
                 </a:solidFill>
               </a:rPr>
-              <a:t>Create(aCanvas : TCanvas; aX, aY, aSize, aKeepIterval :Int</a:t>
+              <a:t>Create(aCanvas : TCanvas; </a:t>
+            </a:r>
+          </a:p>
+          <a:p>
+            <a:pPr algn="ctr"/>
+            <a:r>
+              <a:rPr lang="en-US" altLang="ko-KR" sz="1200" smtClean="0">
+                <a:solidFill>
+                  <a:schemeClr val="tx1"/>
+                </a:solidFill>
+              </a:rPr>
+              <a:t>aX, aY, aSize, aColor, aInterval :Int)</a:t>
             </a:r>
             <a:endParaRPr lang="ko-KR" altLang="en-US" sz="1200" dirty="0">
               <a:solidFill>
@@ -6094,7 +6096,7 @@
         <p:spPr>
           <a:xfrm rot="10800000" flipV="1">
             <a:off x="763060" y="1973026"/>
-            <a:ext cx="2292402" cy="1459109"/>
+            <a:ext cx="2292402" cy="1697702"/>
           </a:xfrm>
           <a:prstGeom prst="rect">
             <a:avLst/>
@@ -6266,7 +6268,7 @@
                   <a:schemeClr val="tx1"/>
                 </a:solidFill>
               </a:rPr>
-              <a:t>fKeepInterval = aInterval * 1000</a:t>
+              <a:t>fKeepInterval = aInterval * 24</a:t>
             </a:r>
           </a:p>
           <a:p>
@@ -6300,6 +6302,17 @@
                 </a:solidFill>
               </a:rPr>
               <a:t>fTimer = TTimer.Create(nil)</a:t>
+            </a:r>
+          </a:p>
+          <a:p>
+            <a:pPr algn="ctr"/>
+            <a:r>
+              <a:rPr lang="en-US" altLang="ko-KR" sz="1200" smtClean="0">
+                <a:solidFill>
+                  <a:schemeClr val="tx1"/>
+                </a:solidFill>
+              </a:rPr>
+              <a:t>fColor = aColor</a:t>
             </a:r>
           </a:p>
         </p:txBody>
@@ -6611,17 +6624,6 @@
                 </a:solidFill>
               </a:rPr>
               <a:t>fCanvas.Brush.Style = bsClear</a:t>
-            </a:r>
-          </a:p>
-          <a:p>
-            <a:pPr algn="ctr"/>
-            <a:r>
-              <a:rPr lang="en-US" altLang="ko-KR" sz="1200" smtClean="0">
-                <a:solidFill>
-                  <a:schemeClr val="tx1"/>
-                </a:solidFill>
-              </a:rPr>
-              <a:t>fCanvas.Pen.Color = aColor</a:t>
             </a:r>
           </a:p>
         </p:txBody>
@@ -7068,8 +7070,8 @@
         </p:nvCxnSpPr>
         <p:spPr>
           <a:xfrm flipH="1">
-            <a:off x="1905197" y="3432135"/>
-            <a:ext cx="4064" cy="356764"/>
+            <a:off x="1905197" y="3670728"/>
+            <a:ext cx="4064" cy="118171"/>
           </a:xfrm>
           <a:prstGeom prst="straightConnector1">
             <a:avLst/>
@@ -12695,7 +12697,7 @@
         </p:nvSpPr>
         <p:spPr>
           <a:xfrm rot="10800000" flipV="1">
-            <a:off x="10813237" y="3005897"/>
+            <a:off x="10813237" y="2160465"/>
             <a:ext cx="2800539" cy="157954"/>
           </a:xfrm>
           <a:prstGeom prst="rect">
@@ -12837,7 +12839,7 @@
         </p:nvSpPr>
         <p:spPr>
           <a:xfrm rot="10800000" flipV="1">
-            <a:off x="10980787" y="6129221"/>
+            <a:off x="10980787" y="5112793"/>
             <a:ext cx="2430503" cy="200032"/>
           </a:xfrm>
           <a:prstGeom prst="rect">
@@ -12986,7 +12988,7 @@
         </p:nvCxnSpPr>
         <p:spPr>
           <a:xfrm flipH="1">
-            <a:off x="12205149" y="3163851"/>
+            <a:off x="12205149" y="2318419"/>
             <a:ext cx="8358" cy="169347"/>
           </a:xfrm>
           <a:prstGeom prst="straightConnector1">
@@ -13019,7 +13021,7 @@
         </p:nvSpPr>
         <p:spPr>
           <a:xfrm>
-            <a:off x="11303181" y="3700375"/>
+            <a:off x="11303181" y="2854943"/>
             <a:ext cx="1816731" cy="451327"/>
           </a:xfrm>
           <a:prstGeom prst="flowChartDecision">
@@ -13177,7 +13179,7 @@
         </p:nvSpPr>
         <p:spPr>
           <a:xfrm rot="10800000" flipV="1">
-            <a:off x="13615251" y="4121065"/>
+            <a:off x="13615251" y="3275633"/>
             <a:ext cx="1601944" cy="136488"/>
           </a:xfrm>
           <a:prstGeom prst="rect">
@@ -13324,7 +13326,7 @@
         </p:nvSpPr>
         <p:spPr>
           <a:xfrm rot="10800000" flipV="1">
-            <a:off x="10997350" y="4276520"/>
+            <a:off x="10997350" y="3431088"/>
             <a:ext cx="2430503" cy="200032"/>
           </a:xfrm>
           <a:prstGeom prst="rect">
@@ -13471,7 +13473,7 @@
         </p:nvSpPr>
         <p:spPr>
           <a:xfrm>
-            <a:off x="11286853" y="4775792"/>
+            <a:off x="11286853" y="3930360"/>
             <a:ext cx="1816731" cy="451327"/>
           </a:xfrm>
           <a:prstGeom prst="flowChartDecision">
@@ -13629,7 +13631,7 @@
         </p:nvSpPr>
         <p:spPr>
           <a:xfrm rot="10800000" flipV="1">
-            <a:off x="13615251" y="5246239"/>
+            <a:off x="13615251" y="4400807"/>
             <a:ext cx="1601944" cy="136488"/>
           </a:xfrm>
           <a:prstGeom prst="rect">
@@ -13776,7 +13778,7 @@
         </p:nvSpPr>
         <p:spPr>
           <a:xfrm rot="10800000" flipV="1">
-            <a:off x="10981022" y="5415313"/>
+            <a:off x="10981022" y="4569881"/>
             <a:ext cx="2430503" cy="200032"/>
           </a:xfrm>
           <a:prstGeom prst="rect">
@@ -13926,7 +13928,7 @@
         </p:nvCxnSpPr>
         <p:spPr>
           <a:xfrm>
-            <a:off x="13119912" y="3926039"/>
+            <a:off x="13119912" y="3080607"/>
             <a:ext cx="1296311" cy="195026"/>
           </a:xfrm>
           <a:prstGeom prst="bentConnector2">
@@ -13962,7 +13964,7 @@
         </p:nvCxnSpPr>
         <p:spPr>
           <a:xfrm>
-            <a:off x="12211547" y="4151702"/>
+            <a:off x="12211547" y="3306270"/>
             <a:ext cx="1054" cy="124818"/>
           </a:xfrm>
           <a:prstGeom prst="straightConnector1">
@@ -13998,7 +14000,7 @@
         </p:nvCxnSpPr>
         <p:spPr>
           <a:xfrm flipH="1">
-            <a:off x="12195218" y="4476552"/>
+            <a:off x="12195218" y="3631120"/>
             <a:ext cx="17382" cy="299241"/>
           </a:xfrm>
           <a:prstGeom prst="straightConnector1">
@@ -14033,7 +14035,7 @@
         </p:nvCxnSpPr>
         <p:spPr>
           <a:xfrm rot="5400000">
-            <a:off x="13156358" y="3315586"/>
+            <a:off x="13156358" y="2470154"/>
             <a:ext cx="317898" cy="2201833"/>
           </a:xfrm>
           <a:prstGeom prst="bentConnector2">
@@ -14069,7 +14071,7 @@
         </p:nvCxnSpPr>
         <p:spPr>
           <a:xfrm>
-            <a:off x="13103584" y="5001456"/>
+            <a:off x="13103584" y="4156024"/>
             <a:ext cx="1312639" cy="244783"/>
           </a:xfrm>
           <a:prstGeom prst="bentConnector2">
@@ -14105,7 +14107,7 @@
         </p:nvCxnSpPr>
         <p:spPr>
           <a:xfrm>
-            <a:off x="12195218" y="5227119"/>
+            <a:off x="12195218" y="4381687"/>
             <a:ext cx="1054" cy="188194"/>
           </a:xfrm>
           <a:prstGeom prst="straightConnector1">
@@ -14140,7 +14142,7 @@
         </p:nvCxnSpPr>
         <p:spPr>
           <a:xfrm rot="5400000">
-            <a:off x="13127129" y="4460747"/>
+            <a:off x="13127129" y="3615315"/>
             <a:ext cx="367114" cy="2211074"/>
           </a:xfrm>
           <a:prstGeom prst="bentConnector2">
@@ -14176,8 +14178,8 @@
         </p:nvCxnSpPr>
         <p:spPr>
           <a:xfrm flipH="1">
-            <a:off x="12196038" y="5615345"/>
-            <a:ext cx="235" cy="513876"/>
+            <a:off x="12196038" y="4769913"/>
+            <a:ext cx="235" cy="342880"/>
           </a:xfrm>
           <a:prstGeom prst="straightConnector1">
             <a:avLst/>
@@ -14209,7 +14211,7 @@
         </p:nvSpPr>
         <p:spPr>
           <a:xfrm>
-            <a:off x="12808620" y="3682494"/>
+            <a:off x="12808620" y="2837062"/>
             <a:ext cx="311292" cy="184666"/>
           </a:xfrm>
           <a:prstGeom prst="rect">
@@ -14333,7 +14335,7 @@
         </p:nvSpPr>
         <p:spPr>
           <a:xfrm>
-            <a:off x="11733558" y="4066568"/>
+            <a:off x="11733558" y="3221136"/>
             <a:ext cx="235898" cy="184666"/>
           </a:xfrm>
           <a:prstGeom prst="rect">
@@ -14457,7 +14459,7 @@
         </p:nvSpPr>
         <p:spPr>
           <a:xfrm>
-            <a:off x="12808620" y="4792656"/>
+            <a:off x="12808620" y="3947224"/>
             <a:ext cx="311292" cy="184666"/>
           </a:xfrm>
           <a:prstGeom prst="rect">
@@ -14581,7 +14583,7 @@
         </p:nvSpPr>
         <p:spPr>
           <a:xfrm>
-            <a:off x="11733558" y="5176729"/>
+            <a:off x="11733558" y="4331297"/>
             <a:ext cx="235898" cy="184666"/>
           </a:xfrm>
           <a:prstGeom prst="rect">
@@ -14705,7 +14707,7 @@
         </p:nvSpPr>
         <p:spPr>
           <a:xfrm rot="10800000" flipV="1">
-            <a:off x="10999139" y="3333198"/>
+            <a:off x="10999139" y="2487766"/>
             <a:ext cx="2430503" cy="200032"/>
           </a:xfrm>
           <a:prstGeom prst="rect">
@@ -14855,7 +14857,7 @@
         </p:nvCxnSpPr>
         <p:spPr>
           <a:xfrm flipH="1">
-            <a:off x="12211547" y="3533230"/>
+            <a:off x="12211547" y="2687798"/>
             <a:ext cx="2843" cy="167145"/>
           </a:xfrm>
           <a:prstGeom prst="straightConnector1">
@@ -14888,7 +14890,7 @@
         </p:nvSpPr>
         <p:spPr>
           <a:xfrm>
-            <a:off x="10509656" y="2240420"/>
+            <a:off x="10497596" y="5573530"/>
             <a:ext cx="3403782" cy="451327"/>
           </a:xfrm>
           <a:prstGeom prst="flowChartDecision">
@@ -15164,7 +15166,7 @@
                   <a:schemeClr val="tx1"/>
                 </a:solidFill>
               </a:rPr>
-              <a:t>fKeepInterval = fKeepInterval - 41</a:t>
+              <a:t>fKeepInterval = fKeepInterval - 1</a:t>
             </a:r>
           </a:p>
         </p:txBody>
@@ -15318,78 +15320,6 @@
       </p:sp>
       <p:cxnSp>
         <p:nvCxnSpPr>
-          <p:cNvPr id="408" name="직선 화살표 연결선 407"/>
-          <p:cNvCxnSpPr>
-            <a:stCxn id="405" idx="2"/>
-            <a:endCxn id="380" idx="0"/>
-          </p:cNvCxnSpPr>
-          <p:nvPr/>
-        </p:nvCxnSpPr>
-        <p:spPr>
-          <a:xfrm>
-            <a:off x="12211547" y="2691747"/>
-            <a:ext cx="1960" cy="314150"/>
-          </a:xfrm>
-          <a:prstGeom prst="straightConnector1">
-            <a:avLst/>
-          </a:prstGeom>
-          <a:ln>
-            <a:tailEnd type="arrow"/>
-          </a:ln>
-        </p:spPr>
-        <p:style>
-          <a:lnRef idx="1">
-            <a:schemeClr val="accent1"/>
-          </a:lnRef>
-          <a:fillRef idx="0">
-            <a:schemeClr val="accent1"/>
-          </a:fillRef>
-          <a:effectRef idx="0">
-            <a:schemeClr val="accent1"/>
-          </a:effectRef>
-          <a:fontRef idx="minor">
-            <a:schemeClr val="tx1"/>
-          </a:fontRef>
-        </p:style>
-      </p:cxnSp>
-      <p:cxnSp>
-        <p:nvCxnSpPr>
-          <p:cNvPr id="409" name="직선 화살표 연결선 408"/>
-          <p:cNvCxnSpPr>
-            <a:stCxn id="381" idx="2"/>
-            <a:endCxn id="407" idx="0"/>
-          </p:cNvCxnSpPr>
-          <p:nvPr/>
-        </p:nvCxnSpPr>
-        <p:spPr>
-          <a:xfrm>
-            <a:off x="12196037" y="6329253"/>
-            <a:ext cx="1141" cy="345365"/>
-          </a:xfrm>
-          <a:prstGeom prst="straightConnector1">
-            <a:avLst/>
-          </a:prstGeom>
-          <a:ln>
-            <a:tailEnd type="arrow"/>
-          </a:ln>
-        </p:spPr>
-        <p:style>
-          <a:lnRef idx="1">
-            <a:schemeClr val="accent1"/>
-          </a:lnRef>
-          <a:fillRef idx="0">
-            <a:schemeClr val="accent1"/>
-          </a:fillRef>
-          <a:effectRef idx="0">
-            <a:schemeClr val="accent1"/>
-          </a:effectRef>
-          <a:fontRef idx="minor">
-            <a:schemeClr val="tx1"/>
-          </a:fontRef>
-        </p:style>
-      </p:cxnSp>
-      <p:cxnSp>
-        <p:nvCxnSpPr>
           <p:cNvPr id="410" name="직선 화살표 연결선 409"/>
           <p:cNvCxnSpPr>
             <a:stCxn id="379" idx="2"/>
@@ -15432,7 +15362,7 @@
         </p:nvSpPr>
         <p:spPr>
           <a:xfrm rot="10800000" flipV="1">
-            <a:off x="13735913" y="2665473"/>
+            <a:off x="13723853" y="5998583"/>
             <a:ext cx="1229366" cy="210502"/>
           </a:xfrm>
           <a:prstGeom prst="rect">
@@ -15577,46 +15507,10 @@
         </p:nvCxnSpPr>
         <p:spPr>
           <a:xfrm>
-            <a:off x="13913438" y="2466084"/>
+            <a:off x="13901378" y="5799194"/>
             <a:ext cx="437158" cy="199389"/>
           </a:xfrm>
           <a:prstGeom prst="bentConnector2">
-            <a:avLst/>
-          </a:prstGeom>
-          <a:ln>
-            <a:tailEnd type="arrow"/>
-          </a:ln>
-        </p:spPr>
-        <p:style>
-          <a:lnRef idx="1">
-            <a:schemeClr val="accent1"/>
-          </a:lnRef>
-          <a:fillRef idx="0">
-            <a:schemeClr val="accent1"/>
-          </a:fillRef>
-          <a:effectRef idx="0">
-            <a:schemeClr val="accent1"/>
-          </a:effectRef>
-          <a:fontRef idx="minor">
-            <a:schemeClr val="tx1"/>
-          </a:fontRef>
-        </p:style>
-      </p:cxnSp>
-      <p:cxnSp>
-        <p:nvCxnSpPr>
-          <p:cNvPr id="413" name="직선 화살표 연결선 412"/>
-          <p:cNvCxnSpPr>
-            <a:stCxn id="406" idx="2"/>
-            <a:endCxn id="405" idx="0"/>
-          </p:cNvCxnSpPr>
-          <p:nvPr/>
-        </p:nvCxnSpPr>
-        <p:spPr>
-          <a:xfrm flipH="1">
-            <a:off x="12211547" y="2071073"/>
-            <a:ext cx="1960" cy="169347"/>
-          </a:xfrm>
-          <a:prstGeom prst="straightConnector1">
             <a:avLst/>
           </a:prstGeom>
           <a:ln>
@@ -15646,7 +15540,7 @@
         </p:nvSpPr>
         <p:spPr>
           <a:xfrm>
-            <a:off x="13657376" y="2259713"/>
+            <a:off x="13645316" y="5592823"/>
             <a:ext cx="311292" cy="184666"/>
           </a:xfrm>
           <a:prstGeom prst="rect">
@@ -15770,7 +15664,7 @@
         </p:nvSpPr>
         <p:spPr>
           <a:xfrm>
-            <a:off x="11625904" y="2627454"/>
+            <a:off x="11613844" y="5960564"/>
             <a:ext cx="235898" cy="184666"/>
           </a:xfrm>
           <a:prstGeom prst="rect">
@@ -15886,6 +15780,114 @@
           </a:p>
         </p:txBody>
       </p:sp>
+      <p:cxnSp>
+        <p:nvCxnSpPr>
+          <p:cNvPr id="110" name="직선 화살표 연결선 109"/>
+          <p:cNvCxnSpPr>
+            <a:stCxn id="406" idx="2"/>
+            <a:endCxn id="380" idx="0"/>
+          </p:cNvCxnSpPr>
+          <p:nvPr/>
+        </p:nvCxnSpPr>
+        <p:spPr>
+          <a:xfrm>
+            <a:off x="12213506" y="2071072"/>
+            <a:ext cx="0" cy="89393"/>
+          </a:xfrm>
+          <a:prstGeom prst="straightConnector1">
+            <a:avLst/>
+          </a:prstGeom>
+          <a:ln>
+            <a:tailEnd type="arrow"/>
+          </a:ln>
+        </p:spPr>
+        <p:style>
+          <a:lnRef idx="1">
+            <a:schemeClr val="accent1"/>
+          </a:lnRef>
+          <a:fillRef idx="0">
+            <a:schemeClr val="accent1"/>
+          </a:fillRef>
+          <a:effectRef idx="0">
+            <a:schemeClr val="accent1"/>
+          </a:effectRef>
+          <a:fontRef idx="minor">
+            <a:schemeClr val="tx1"/>
+          </a:fontRef>
+        </p:style>
+      </p:cxnSp>
+      <p:cxnSp>
+        <p:nvCxnSpPr>
+          <p:cNvPr id="112" name="직선 화살표 연결선 111"/>
+          <p:cNvCxnSpPr>
+            <a:stCxn id="381" idx="2"/>
+            <a:endCxn id="405" idx="0"/>
+          </p:cNvCxnSpPr>
+          <p:nvPr/>
+        </p:nvCxnSpPr>
+        <p:spPr>
+          <a:xfrm>
+            <a:off x="12196038" y="5312825"/>
+            <a:ext cx="3449" cy="260705"/>
+          </a:xfrm>
+          <a:prstGeom prst="straightConnector1">
+            <a:avLst/>
+          </a:prstGeom>
+          <a:ln>
+            <a:tailEnd type="arrow"/>
+          </a:ln>
+        </p:spPr>
+        <p:style>
+          <a:lnRef idx="1">
+            <a:schemeClr val="accent1"/>
+          </a:lnRef>
+          <a:fillRef idx="0">
+            <a:schemeClr val="accent1"/>
+          </a:fillRef>
+          <a:effectRef idx="0">
+            <a:schemeClr val="accent1"/>
+          </a:effectRef>
+          <a:fontRef idx="minor">
+            <a:schemeClr val="tx1"/>
+          </a:fontRef>
+        </p:style>
+      </p:cxnSp>
+      <p:cxnSp>
+        <p:nvCxnSpPr>
+          <p:cNvPr id="114" name="직선 화살표 연결선 113"/>
+          <p:cNvCxnSpPr>
+            <a:stCxn id="405" idx="2"/>
+            <a:endCxn id="407" idx="0"/>
+          </p:cNvCxnSpPr>
+          <p:nvPr/>
+        </p:nvCxnSpPr>
+        <p:spPr>
+          <a:xfrm flipH="1">
+            <a:off x="12197178" y="6024857"/>
+            <a:ext cx="2309" cy="649760"/>
+          </a:xfrm>
+          <a:prstGeom prst="straightConnector1">
+            <a:avLst/>
+          </a:prstGeom>
+          <a:ln>
+            <a:tailEnd type="arrow"/>
+          </a:ln>
+        </p:spPr>
+        <p:style>
+          <a:lnRef idx="1">
+            <a:schemeClr val="accent1"/>
+          </a:lnRef>
+          <a:fillRef idx="0">
+            <a:schemeClr val="accent1"/>
+          </a:fillRef>
+          <a:effectRef idx="0">
+            <a:schemeClr val="accent1"/>
+          </a:effectRef>
+          <a:fontRef idx="minor">
+            <a:schemeClr val="tx1"/>
+          </a:fontRef>
+        </p:style>
+      </p:cxnSp>
     </p:spTree>
   </p:cSld>
   <p:clrMapOvr>
